--- a/Spring 2022/17_Brown.pptx
+++ b/Spring 2022/17_Brown.pptx
@@ -5,18 +5,17 @@
     <p:sldMasterId id="2147483648" r:id="rId1"/>
   </p:sldMasterIdLst>
   <p:notesMasterIdLst>
-    <p:notesMasterId r:id="rId8"/>
+    <p:notesMasterId r:id="rId7"/>
   </p:notesMasterIdLst>
   <p:handoutMasterIdLst>
-    <p:handoutMasterId r:id="rId9"/>
+    <p:handoutMasterId r:id="rId8"/>
   </p:handoutMasterIdLst>
   <p:sldIdLst>
     <p:sldId id="256" r:id="rId2"/>
     <p:sldId id="257" r:id="rId3"/>
     <p:sldId id="260" r:id="rId4"/>
     <p:sldId id="259" r:id="rId5"/>
-    <p:sldId id="261" r:id="rId6"/>
-    <p:sldId id="258" r:id="rId7"/>
+    <p:sldId id="258" r:id="rId6"/>
   </p:sldIdLst>
   <p:sldSz cx="12192000" cy="6858000"/>
   <p:notesSz cx="6858000" cy="9144000"/>
@@ -130,13 +129,51 @@
 <pc:chgInfo xmlns:a="http://schemas.openxmlformats.org/drawingml/2006/main" xmlns:r="http://schemas.openxmlformats.org/officeDocument/2006/relationships" xmlns:ac="http://schemas.microsoft.com/office/drawing/2013/main/command" xmlns:pc="http://schemas.microsoft.com/office/powerpoint/2013/main/command">
   <pc:docChgLst>
     <pc:chgData name="Ryan Brown" userId="042e839dc9bd670a" providerId="LiveId" clId="{90B7AA31-C57B-459E-86DD-37430A943DC6}"/>
-    <pc:docChg chg="custSel addSld modSld">
-      <pc:chgData name="Ryan Brown" userId="042e839dc9bd670a" providerId="LiveId" clId="{90B7AA31-C57B-459E-86DD-37430A943DC6}" dt="2022-02-15T16:29:32.282" v="117" actId="20577"/>
+    <pc:docChg chg="custSel addSld delSld modSld">
+      <pc:chgData name="Ryan Brown" userId="042e839dc9bd670a" providerId="LiveId" clId="{90B7AA31-C57B-459E-86DD-37430A943DC6}" dt="2022-03-15T15:32:55.517" v="387" actId="47"/>
       <pc:docMkLst>
         <pc:docMk/>
       </pc:docMkLst>
+      <pc:sldChg chg="modSp mod">
+        <pc:chgData name="Ryan Brown" userId="042e839dc9bd670a" providerId="LiveId" clId="{90B7AA31-C57B-459E-86DD-37430A943DC6}" dt="2022-03-15T15:31:33.491" v="277" actId="20577"/>
+        <pc:sldMkLst>
+          <pc:docMk/>
+          <pc:sldMk cId="3982141711" sldId="257"/>
+        </pc:sldMkLst>
+        <pc:spChg chg="mod">
+          <ac:chgData name="Ryan Brown" userId="042e839dc9bd670a" providerId="LiveId" clId="{90B7AA31-C57B-459E-86DD-37430A943DC6}" dt="2022-03-15T15:30:09.530" v="134" actId="20577"/>
+          <ac:spMkLst>
+            <pc:docMk/>
+            <pc:sldMk cId="3982141711" sldId="257"/>
+            <ac:spMk id="2" creationId="{2333FBAD-F450-1448-A36A-72F6AB77EEC3}"/>
+          </ac:spMkLst>
+        </pc:spChg>
+        <pc:spChg chg="mod">
+          <ac:chgData name="Ryan Brown" userId="042e839dc9bd670a" providerId="LiveId" clId="{90B7AA31-C57B-459E-86DD-37430A943DC6}" dt="2022-03-15T15:31:33.491" v="277" actId="20577"/>
+          <ac:spMkLst>
+            <pc:docMk/>
+            <pc:sldMk cId="3982141711" sldId="257"/>
+            <ac:spMk id="3" creationId="{A3FC7E89-62C2-B143-BEBA-CA6D34981BFF}"/>
+          </ac:spMkLst>
+        </pc:spChg>
+      </pc:sldChg>
+      <pc:sldChg chg="modSp mod">
+        <pc:chgData name="Ryan Brown" userId="042e839dc9bd670a" providerId="LiveId" clId="{90B7AA31-C57B-459E-86DD-37430A943DC6}" dt="2022-03-15T15:32:42.080" v="386" actId="20577"/>
+        <pc:sldMkLst>
+          <pc:docMk/>
+          <pc:sldMk cId="1696900342" sldId="259"/>
+        </pc:sldMkLst>
+        <pc:spChg chg="mod">
+          <ac:chgData name="Ryan Brown" userId="042e839dc9bd670a" providerId="LiveId" clId="{90B7AA31-C57B-459E-86DD-37430A943DC6}" dt="2022-03-15T15:32:42.080" v="386" actId="20577"/>
+          <ac:spMkLst>
+            <pc:docMk/>
+            <pc:sldMk cId="1696900342" sldId="259"/>
+            <ac:spMk id="3" creationId="{774005E2-BC54-4FEA-8FD8-D7215C0EDE26}"/>
+          </ac:spMkLst>
+        </pc:spChg>
+      </pc:sldChg>
       <pc:sldChg chg="addSp delSp modSp new mod">
-        <pc:chgData name="Ryan Brown" userId="042e839dc9bd670a" providerId="LiveId" clId="{90B7AA31-C57B-459E-86DD-37430A943DC6}" dt="2022-02-15T16:25:22.526" v="4" actId="1076"/>
+        <pc:chgData name="Ryan Brown" userId="042e839dc9bd670a" providerId="LiveId" clId="{90B7AA31-C57B-459E-86DD-37430A943DC6}" dt="2022-03-15T15:29:41.914" v="123" actId="1076"/>
         <pc:sldMkLst>
           <pc:docMk/>
           <pc:sldMk cId="203091722" sldId="260"/>
@@ -157,8 +194,24 @@
             <ac:spMk id="3" creationId="{F2F86DB5-6421-4972-A40C-6117F049C895}"/>
           </ac:spMkLst>
         </pc:spChg>
-        <pc:picChg chg="add mod ord">
-          <ac:chgData name="Ryan Brown" userId="042e839dc9bd670a" providerId="LiveId" clId="{90B7AA31-C57B-459E-86DD-37430A943DC6}" dt="2022-02-15T16:25:22.526" v="4" actId="1076"/>
+        <pc:spChg chg="add mod">
+          <ac:chgData name="Ryan Brown" userId="042e839dc9bd670a" providerId="LiveId" clId="{90B7AA31-C57B-459E-86DD-37430A943DC6}" dt="2022-03-15T15:29:30.430" v="121" actId="478"/>
+          <ac:spMkLst>
+            <pc:docMk/>
+            <pc:sldMk cId="203091722" sldId="260"/>
+            <ac:spMk id="6" creationId="{5CB325DC-B44C-4BEC-9EC5-69C7494F022D}"/>
+          </ac:spMkLst>
+        </pc:spChg>
+        <pc:picChg chg="add mod">
+          <ac:chgData name="Ryan Brown" userId="042e839dc9bd670a" providerId="LiveId" clId="{90B7AA31-C57B-459E-86DD-37430A943DC6}" dt="2022-03-15T15:29:41.914" v="123" actId="1076"/>
+          <ac:picMkLst>
+            <pc:docMk/>
+            <pc:sldMk cId="203091722" sldId="260"/>
+            <ac:picMk id="3" creationId="{E5B56773-A2A2-4EDC-95A2-18B4FD56E702}"/>
+          </ac:picMkLst>
+        </pc:picChg>
+        <pc:picChg chg="add del mod ord">
+          <ac:chgData name="Ryan Brown" userId="042e839dc9bd670a" providerId="LiveId" clId="{90B7AA31-C57B-459E-86DD-37430A943DC6}" dt="2022-03-15T15:29:30.430" v="121" actId="478"/>
           <ac:picMkLst>
             <pc:docMk/>
             <pc:sldMk cId="203091722" sldId="260"/>
@@ -166,8 +219,8 @@
           </ac:picMkLst>
         </pc:picChg>
       </pc:sldChg>
-      <pc:sldChg chg="addSp delSp modSp new mod modClrScheme chgLayout">
-        <pc:chgData name="Ryan Brown" userId="042e839dc9bd670a" providerId="LiveId" clId="{90B7AA31-C57B-459E-86DD-37430A943DC6}" dt="2022-02-15T16:29:32.282" v="117" actId="20577"/>
+      <pc:sldChg chg="addSp delSp modSp new del mod modClrScheme chgLayout">
+        <pc:chgData name="Ryan Brown" userId="042e839dc9bd670a" providerId="LiveId" clId="{90B7AA31-C57B-459E-86DD-37430A943DC6}" dt="2022-03-15T15:32:55.517" v="387" actId="47"/>
         <pc:sldMkLst>
           <pc:docMk/>
           <pc:sldMk cId="3966133384" sldId="261"/>
@@ -312,7 +365,7 @@
           <a:p>
             <a:fld id="{7D038C9C-4B69-864E-9EEE-DFA43CC144D2}" type="datetimeFigureOut">
               <a:rPr lang="en-US" smtClean="0"/>
-              <a:t>2/15/2022</a:t>
+              <a:t>3/15/2022</a:t>
             </a:fld>
             <a:endParaRPr lang="en-US"/>
           </a:p>
@@ -489,7 +542,7 @@
           <a:p>
             <a:fld id="{41D9A61E-B1D6-C34D-A321-B3E90F6DE630}" type="datetimeFigureOut">
               <a:rPr lang="en-US" smtClean="0"/>
-              <a:t>2/15/2022</a:t>
+              <a:t>3/15/2022</a:t>
             </a:fld>
             <a:endParaRPr lang="en-US"/>
           </a:p>
@@ -3852,8 +3905,13 @@
           <a:p>
             <a:r>
               <a:rPr lang="en-US" dirty="0"/>
-              <a:t>Working Circuit </a:t>
-            </a:r>
+              <a:t>Ordered </a:t>
+            </a:r>
+            <a:r>
+              <a:rPr lang="en-US" dirty="0" err="1"/>
+              <a:t>Pcb</a:t>
+            </a:r>
+            <a:endParaRPr lang="en-US" dirty="0"/>
           </a:p>
         </p:txBody>
       </p:sp>
@@ -3880,24 +3938,21 @@
           <a:p>
             <a:r>
               <a:rPr lang="en-US" dirty="0"/>
-              <a:t>The circuit is working on the Arduino starter kit board</a:t>
+              <a:t>Ordered the PCB last week</a:t>
             </a:r>
           </a:p>
           <a:p>
             <a:r>
               <a:rPr lang="en-US" dirty="0"/>
-              <a:t>Working on creating a PCB board on </a:t>
+              <a:t>Waiting to receive the PCB to run initial tests before putting into </a:t>
             </a:r>
             <a:r>
               <a:rPr lang="en-US" dirty="0" err="1"/>
-              <a:t>KiCad</a:t>
-            </a:r>
-            <a:endParaRPr lang="en-US" dirty="0"/>
-          </a:p>
-          <a:p>
+              <a:t>emvirnoment</a:t>
+            </a:r>
             <a:r>
               <a:rPr lang="en-US" dirty="0"/>
-              <a:t>Working on creating a smaller circuit on perf board so prototyping can begin</a:t>
+              <a:t> </a:t>
             </a:r>
           </a:p>
         </p:txBody>
@@ -3934,19 +3989,17 @@
       </p:grpSpPr>
       <p:pic>
         <p:nvPicPr>
-          <p:cNvPr id="5" name="Content Placeholder 4">
-            <a:extLst>
-              <a:ext uri="{FF2B5EF4-FFF2-40B4-BE49-F238E27FC236}">
-                <a16:creationId xmlns:a16="http://schemas.microsoft.com/office/drawing/2014/main" id="{4C63DD87-6314-454A-AE06-2AC0A633EADB}"/>
+          <p:cNvPr id="3" name="Picture 2">
+            <a:extLst>
+              <a:ext uri="{FF2B5EF4-FFF2-40B4-BE49-F238E27FC236}">
+                <a16:creationId xmlns:a16="http://schemas.microsoft.com/office/drawing/2014/main" id="{E5B56773-A2A2-4EDC-95A2-18B4FD56E702}"/>
               </a:ext>
             </a:extLst>
           </p:cNvPr>
           <p:cNvPicPr>
-            <a:picLocks noGrp="1" noChangeAspect="1"/>
+            <a:picLocks noChangeAspect="1"/>
           </p:cNvPicPr>
-          <p:nvPr>
-            <p:ph idx="1"/>
-          </p:nvPr>
+          <p:nvPr/>
         </p:nvPicPr>
         <p:blipFill>
           <a:blip r:embed="rId2"/>
@@ -3956,11 +4009,39 @@
         </p:blipFill>
         <p:spPr>
           <a:xfrm>
-            <a:off x="2042046" y="481781"/>
-            <a:ext cx="8107908" cy="5415065"/>
+            <a:off x="1967483" y="445903"/>
+            <a:ext cx="8257033" cy="5529003"/>
           </a:xfrm>
+          <a:prstGeom prst="rect">
+            <a:avLst/>
+          </a:prstGeom>
         </p:spPr>
       </p:pic>
+      <p:sp>
+        <p:nvSpPr>
+          <p:cNvPr id="6" name="Content Placeholder 5">
+            <a:extLst>
+              <a:ext uri="{FF2B5EF4-FFF2-40B4-BE49-F238E27FC236}">
+                <a16:creationId xmlns:a16="http://schemas.microsoft.com/office/drawing/2014/main" id="{5CB325DC-B44C-4BEC-9EC5-69C7494F022D}"/>
+              </a:ext>
+            </a:extLst>
+          </p:cNvPr>
+          <p:cNvSpPr>
+            <a:spLocks noGrp="1"/>
+          </p:cNvSpPr>
+          <p:nvPr>
+            <p:ph idx="1"/>
+          </p:nvPr>
+        </p:nvSpPr>
+        <p:spPr/>
+        <p:txBody>
+          <a:bodyPr/>
+          <a:lstStyle/>
+          <a:p>
+            <a:endParaRPr lang="en-US" dirty="0"/>
+          </a:p>
+        </p:txBody>
+      </p:sp>
     </p:spTree>
     <p:extLst>
       <p:ext uri="{BB962C8B-B14F-4D97-AF65-F5344CB8AC3E}">
@@ -4048,10 +4129,12 @@
           <a:p>
             <a:r>
               <a:rPr lang="en-US" dirty="0"/>
-              <a:t>Working on making the entire rain gauge 3-D printable so there is no need for PVC pipe</a:t>
-            </a:r>
-          </a:p>
-          <a:p>
+              <a:t>Working on small prototype board, having some issues getting the SD Card module to respond to the </a:t>
+            </a:r>
+            <a:r>
+              <a:rPr lang="en-US" dirty="0" err="1"/>
+              <a:t>arduino</a:t>
+            </a:r>
             <a:endParaRPr lang="en-US" dirty="0"/>
           </a:p>
         </p:txBody>
@@ -4070,142 +4153,6 @@
 </file>
 
 <file path=ppt/slides/slide5.xml><?xml version="1.0" encoding="utf-8"?>
-<p:sld xmlns:a="http://schemas.openxmlformats.org/drawingml/2006/main" xmlns:r="http://schemas.openxmlformats.org/officeDocument/2006/relationships" xmlns:p="http://schemas.openxmlformats.org/presentationml/2006/main">
-  <p:cSld>
-    <p:spTree>
-      <p:nvGrpSpPr>
-        <p:cNvPr id="1" name=""/>
-        <p:cNvGrpSpPr/>
-        <p:nvPr/>
-      </p:nvGrpSpPr>
-      <p:grpSpPr>
-        <a:xfrm>
-          <a:off x="0" y="0"/>
-          <a:ext cx="0" cy="0"/>
-          <a:chOff x="0" y="0"/>
-          <a:chExt cx="0" cy="0"/>
-        </a:xfrm>
-      </p:grpSpPr>
-      <p:sp>
-        <p:nvSpPr>
-          <p:cNvPr id="10" name="Title 1">
-            <a:extLst>
-              <a:ext uri="{FF2B5EF4-FFF2-40B4-BE49-F238E27FC236}">
-                <a16:creationId xmlns:a16="http://schemas.microsoft.com/office/drawing/2014/main" id="{14F47BBF-884E-422F-A6C7-85D54706D54D}"/>
-              </a:ext>
-            </a:extLst>
-          </p:cNvPr>
-          <p:cNvSpPr>
-            <a:spLocks noGrp="1"/>
-          </p:cNvSpPr>
-          <p:nvPr>
-            <p:ph type="title"/>
-          </p:nvPr>
-        </p:nvSpPr>
-        <p:spPr>
-          <a:xfrm>
-            <a:off x="839788" y="457200"/>
-            <a:ext cx="3932237" cy="1600200"/>
-          </a:xfrm>
-        </p:spPr>
-        <p:txBody>
-          <a:bodyPr/>
-          <a:lstStyle/>
-          <a:p>
-            <a:r>
-              <a:rPr lang="en-US" dirty="0"/>
-              <a:t>Fusion 360 Model</a:t>
-            </a:r>
-          </a:p>
-        </p:txBody>
-      </p:sp>
-      <p:pic>
-        <p:nvPicPr>
-          <p:cNvPr id="5" name="Content Placeholder 4">
-            <a:extLst>
-              <a:ext uri="{FF2B5EF4-FFF2-40B4-BE49-F238E27FC236}">
-                <a16:creationId xmlns:a16="http://schemas.microsoft.com/office/drawing/2014/main" id="{EB8F98C6-DA56-40EC-A34C-1CCB775AD030}"/>
-              </a:ext>
-            </a:extLst>
-          </p:cNvPr>
-          <p:cNvPicPr>
-            <a:picLocks noGrp="1" noChangeAspect="1"/>
-          </p:cNvPicPr>
-          <p:nvPr>
-            <p:ph type="pic" idx="1"/>
-          </p:nvPr>
-        </p:nvPicPr>
-        <p:blipFill rotWithShape="1">
-          <a:blip r:embed="rId2"/>
-          <a:stretch/>
-        </p:blipFill>
-        <p:spPr>
-          <a:xfrm>
-            <a:off x="7184906" y="987425"/>
-            <a:ext cx="2168763" cy="4873625"/>
-          </a:xfrm>
-          <a:noFill/>
-        </p:spPr>
-      </p:pic>
-      <p:sp>
-        <p:nvSpPr>
-          <p:cNvPr id="12" name="Text Placeholder 3">
-            <a:extLst>
-              <a:ext uri="{FF2B5EF4-FFF2-40B4-BE49-F238E27FC236}">
-                <a16:creationId xmlns:a16="http://schemas.microsoft.com/office/drawing/2014/main" id="{67DDB7A4-42E3-40E0-AB8E-AA54E3FE176D}"/>
-              </a:ext>
-            </a:extLst>
-          </p:cNvPr>
-          <p:cNvSpPr>
-            <a:spLocks noGrp="1"/>
-          </p:cNvSpPr>
-          <p:nvPr>
-            <p:ph type="body" sz="half" idx="2"/>
-          </p:nvPr>
-        </p:nvSpPr>
-        <p:spPr>
-          <a:xfrm>
-            <a:off x="839788" y="2057400"/>
-            <a:ext cx="3932237" cy="3811588"/>
-          </a:xfrm>
-        </p:spPr>
-        <p:txBody>
-          <a:bodyPr/>
-          <a:lstStyle/>
-          <a:p>
-            <a:r>
-              <a:rPr lang="en-US" dirty="0"/>
-              <a:t>Working on a fully 3-D printable package</a:t>
-            </a:r>
-          </a:p>
-          <a:p>
-            <a:endParaRPr lang="en-US" dirty="0"/>
-          </a:p>
-          <a:p>
-            <a:endParaRPr lang="en-US" dirty="0"/>
-          </a:p>
-          <a:p>
-            <a:r>
-              <a:rPr lang="en-US" dirty="0"/>
-              <a:t>This is the progress so far</a:t>
-            </a:r>
-          </a:p>
-        </p:txBody>
-      </p:sp>
-    </p:spTree>
-    <p:extLst>
-      <p:ext uri="{BB962C8B-B14F-4D97-AF65-F5344CB8AC3E}">
-        <p14:creationId xmlns:p14="http://schemas.microsoft.com/office/powerpoint/2010/main" val="3966133384"/>
-      </p:ext>
-    </p:extLst>
-  </p:cSld>
-  <p:clrMapOvr>
-    <a:masterClrMapping/>
-  </p:clrMapOvr>
-</p:sld>
-</file>
-
-<file path=ppt/slides/slide6.xml><?xml version="1.0" encoding="utf-8"?>
 <p:sld xmlns:a="http://schemas.openxmlformats.org/drawingml/2006/main" xmlns:r="http://schemas.openxmlformats.org/officeDocument/2006/relationships" xmlns:p="http://schemas.openxmlformats.org/presentationml/2006/main">
   <p:cSld>
     <p:spTree>
